--- a/supp/Home/RawPPT/Interlock_Puzzles.pptx
+++ b/supp/Home/RawPPT/Interlock_Puzzles.pptx
@@ -5,10 +5,11 @@
     <p:sldMasterId id="2147483684" r:id="rId1"/>
   </p:sldMasterIdLst>
   <p:notesMasterIdLst>
-    <p:notesMasterId r:id="rId3"/>
+    <p:notesMasterId r:id="rId4"/>
   </p:notesMasterIdLst>
   <p:sldIdLst>
-    <p:sldId id="259" r:id="rId2"/>
+    <p:sldId id="260" r:id="rId2"/>
+    <p:sldId id="259" r:id="rId3"/>
   </p:sldIdLst>
   <p:sldSz cx="21599525" cy="14400213"/>
   <p:notesSz cx="6858000" cy="9144000"/>
@@ -197,7 +198,7 @@
           <a:p>
             <a:fld id="{C9D02142-F942-4749-9A74-96548E9459E5}" type="datetimeFigureOut">
               <a:rPr lang="en-US" smtClean="0"/>
-              <a:t>11/19/19</a:t>
+              <a:t>11/24/19</a:t>
             </a:fld>
             <a:endParaRPr lang="en-US"/>
           </a:p>
@@ -539,6 +540,90 @@
     </p:spTree>
     <p:extLst>
       <p:ext uri="{BB962C8B-B14F-4D97-AF65-F5344CB8AC3E}">
+        <p14:creationId xmlns:p14="http://schemas.microsoft.com/office/powerpoint/2010/main" val="4008360112"/>
+      </p:ext>
+    </p:extLst>
+  </p:cSld>
+  <p:clrMapOvr>
+    <a:masterClrMapping/>
+  </p:clrMapOvr>
+</p:notes>
+</file>
+
+<file path=ppt/notesSlides/notesSlide2.xml><?xml version="1.0" encoding="utf-8"?>
+<p:notes xmlns:a="http://schemas.openxmlformats.org/drawingml/2006/main" xmlns:r="http://schemas.openxmlformats.org/officeDocument/2006/relationships" xmlns:p="http://schemas.openxmlformats.org/presentationml/2006/main">
+  <p:cSld>
+    <p:spTree>
+      <p:nvGrpSpPr>
+        <p:cNvPr id="1" name=""/>
+        <p:cNvGrpSpPr/>
+        <p:nvPr/>
+      </p:nvGrpSpPr>
+      <p:grpSpPr>
+        <a:xfrm>
+          <a:off x="0" y="0"/>
+          <a:ext cx="0" cy="0"/>
+          <a:chOff x="0" y="0"/>
+          <a:chExt cx="0" cy="0"/>
+        </a:xfrm>
+      </p:grpSpPr>
+      <p:sp>
+        <p:nvSpPr>
+          <p:cNvPr id="2" name="Slide Image Placeholder 1"/>
+          <p:cNvSpPr>
+            <a:spLocks noGrp="1" noRot="1" noChangeAspect="1"/>
+          </p:cNvSpPr>
+          <p:nvPr>
+            <p:ph type="sldImg"/>
+          </p:nvPr>
+        </p:nvSpPr>
+        <p:spPr/>
+      </p:sp>
+      <p:sp>
+        <p:nvSpPr>
+          <p:cNvPr id="3" name="Notes Placeholder 2"/>
+          <p:cNvSpPr>
+            <a:spLocks noGrp="1"/>
+          </p:cNvSpPr>
+          <p:nvPr>
+            <p:ph type="body" idx="1"/>
+          </p:nvPr>
+        </p:nvSpPr>
+        <p:spPr/>
+        <p:txBody>
+          <a:bodyPr/>
+          <a:lstStyle/>
+          <a:p>
+            <a:endParaRPr lang="en-US"/>
+          </a:p>
+        </p:txBody>
+      </p:sp>
+      <p:sp>
+        <p:nvSpPr>
+          <p:cNvPr id="4" name="Slide Number Placeholder 3"/>
+          <p:cNvSpPr>
+            <a:spLocks noGrp="1"/>
+          </p:cNvSpPr>
+          <p:nvPr>
+            <p:ph type="sldNum" sz="quarter" idx="5"/>
+          </p:nvPr>
+        </p:nvSpPr>
+        <p:spPr/>
+        <p:txBody>
+          <a:bodyPr/>
+          <a:lstStyle/>
+          <a:p>
+            <a:fld id="{D462E969-7418-BD45-A48C-17D119626447}" type="slidenum">
+              <a:rPr lang="en-US" smtClean="0"/>
+              <a:t>2</a:t>
+            </a:fld>
+            <a:endParaRPr lang="en-US"/>
+          </a:p>
+        </p:txBody>
+      </p:sp>
+    </p:spTree>
+    <p:extLst>
+      <p:ext uri="{BB962C8B-B14F-4D97-AF65-F5344CB8AC3E}">
         <p14:creationId xmlns:p14="http://schemas.microsoft.com/office/powerpoint/2010/main" val="3911860974"/>
       </p:ext>
     </p:extLst>
@@ -680,7 +765,7 @@
           <a:p>
             <a:fld id="{086FEB8E-2718-4465-8CCF-70A494D0B418}" type="datetimeFigureOut">
               <a:rPr lang="zh-CN" altLang="en-US" smtClean="0"/>
-              <a:t>2019/11/19</a:t>
+              <a:t>2019/11/24</a:t>
             </a:fld>
             <a:endParaRPr lang="zh-CN" altLang="en-US"/>
           </a:p>
@@ -850,7 +935,7 @@
           <a:p>
             <a:fld id="{086FEB8E-2718-4465-8CCF-70A494D0B418}" type="datetimeFigureOut">
               <a:rPr lang="zh-CN" altLang="en-US" smtClean="0"/>
-              <a:t>2019/11/19</a:t>
+              <a:t>2019/11/24</a:t>
             </a:fld>
             <a:endParaRPr lang="zh-CN" altLang="en-US"/>
           </a:p>
@@ -1030,7 +1115,7 @@
           <a:p>
             <a:fld id="{086FEB8E-2718-4465-8CCF-70A494D0B418}" type="datetimeFigureOut">
               <a:rPr lang="zh-CN" altLang="en-US" smtClean="0"/>
-              <a:t>2019/11/19</a:t>
+              <a:t>2019/11/24</a:t>
             </a:fld>
             <a:endParaRPr lang="zh-CN" altLang="en-US"/>
           </a:p>
@@ -1200,7 +1285,7 @@
           <a:p>
             <a:fld id="{086FEB8E-2718-4465-8CCF-70A494D0B418}" type="datetimeFigureOut">
               <a:rPr lang="zh-CN" altLang="en-US" smtClean="0"/>
-              <a:t>2019/11/19</a:t>
+              <a:t>2019/11/24</a:t>
             </a:fld>
             <a:endParaRPr lang="zh-CN" altLang="en-US"/>
           </a:p>
@@ -1444,7 +1529,7 @@
           <a:p>
             <a:fld id="{086FEB8E-2718-4465-8CCF-70A494D0B418}" type="datetimeFigureOut">
               <a:rPr lang="zh-CN" altLang="en-US" smtClean="0"/>
-              <a:t>2019/11/19</a:t>
+              <a:t>2019/11/24</a:t>
             </a:fld>
             <a:endParaRPr lang="zh-CN" altLang="en-US"/>
           </a:p>
@@ -1676,7 +1761,7 @@
           <a:p>
             <a:fld id="{086FEB8E-2718-4465-8CCF-70A494D0B418}" type="datetimeFigureOut">
               <a:rPr lang="zh-CN" altLang="en-US" smtClean="0"/>
-              <a:t>2019/11/19</a:t>
+              <a:t>2019/11/24</a:t>
             </a:fld>
             <a:endParaRPr lang="zh-CN" altLang="en-US"/>
           </a:p>
@@ -2043,7 +2128,7 @@
           <a:p>
             <a:fld id="{086FEB8E-2718-4465-8CCF-70A494D0B418}" type="datetimeFigureOut">
               <a:rPr lang="zh-CN" altLang="en-US" smtClean="0"/>
-              <a:t>2019/11/19</a:t>
+              <a:t>2019/11/24</a:t>
             </a:fld>
             <a:endParaRPr lang="zh-CN" altLang="en-US"/>
           </a:p>
@@ -2161,7 +2246,7 @@
           <a:p>
             <a:fld id="{086FEB8E-2718-4465-8CCF-70A494D0B418}" type="datetimeFigureOut">
               <a:rPr lang="zh-CN" altLang="en-US" smtClean="0"/>
-              <a:t>2019/11/19</a:t>
+              <a:t>2019/11/24</a:t>
             </a:fld>
             <a:endParaRPr lang="zh-CN" altLang="en-US"/>
           </a:p>
@@ -2256,7 +2341,7 @@
           <a:p>
             <a:fld id="{086FEB8E-2718-4465-8CCF-70A494D0B418}" type="datetimeFigureOut">
               <a:rPr lang="zh-CN" altLang="en-US" smtClean="0"/>
-              <a:t>2019/11/19</a:t>
+              <a:t>2019/11/24</a:t>
             </a:fld>
             <a:endParaRPr lang="zh-CN" altLang="en-US"/>
           </a:p>
@@ -2533,7 +2618,7 @@
           <a:p>
             <a:fld id="{086FEB8E-2718-4465-8CCF-70A494D0B418}" type="datetimeFigureOut">
               <a:rPr lang="zh-CN" altLang="en-US" smtClean="0"/>
-              <a:t>2019/11/19</a:t>
+              <a:t>2019/11/24</a:t>
             </a:fld>
             <a:endParaRPr lang="zh-CN" altLang="en-US"/>
           </a:p>
@@ -2790,7 +2875,7 @@
           <a:p>
             <a:fld id="{086FEB8E-2718-4465-8CCF-70A494D0B418}" type="datetimeFigureOut">
               <a:rPr lang="zh-CN" altLang="en-US" smtClean="0"/>
-              <a:t>2019/11/19</a:t>
+              <a:t>2019/11/24</a:t>
             </a:fld>
             <a:endParaRPr lang="zh-CN" altLang="en-US"/>
           </a:p>
@@ -3003,7 +3088,7 @@
           <a:p>
             <a:fld id="{086FEB8E-2718-4465-8CCF-70A494D0B418}" type="datetimeFigureOut">
               <a:rPr lang="zh-CN" altLang="en-US" smtClean="0"/>
-              <a:t>2019/11/19</a:t>
+              <a:t>2019/11/24</a:t>
             </a:fld>
             <a:endParaRPr lang="zh-CN" altLang="en-US"/>
           </a:p>
@@ -3392,6 +3477,306 @@
 </file>
 
 <file path=ppt/slides/slide1.xml><?xml version="1.0" encoding="utf-8"?>
+<p:sld xmlns:a="http://schemas.openxmlformats.org/drawingml/2006/main" xmlns:r="http://schemas.openxmlformats.org/officeDocument/2006/relationships" xmlns:p="http://schemas.openxmlformats.org/presentationml/2006/main">
+  <p:cSld>
+    <p:spTree>
+      <p:nvGrpSpPr>
+        <p:cNvPr id="1" name=""/>
+        <p:cNvGrpSpPr/>
+        <p:nvPr/>
+      </p:nvGrpSpPr>
+      <p:grpSpPr>
+        <a:xfrm>
+          <a:off x="0" y="0"/>
+          <a:ext cx="0" cy="0"/>
+          <a:chOff x="0" y="0"/>
+          <a:chExt cx="0" cy="0"/>
+        </a:xfrm>
+      </p:grpSpPr>
+      <p:pic>
+        <p:nvPicPr>
+          <p:cNvPr id="3" name="Picture 2">
+            <a:extLst>
+              <a:ext uri="{FF2B5EF4-FFF2-40B4-BE49-F238E27FC236}">
+                <a16:creationId xmlns:a16="http://schemas.microsoft.com/office/drawing/2014/main" id="{3939467D-2FA3-1941-A3E9-026EFA22FAF5}"/>
+              </a:ext>
+            </a:extLst>
+          </p:cNvPr>
+          <p:cNvPicPr>
+            <a:picLocks noChangeAspect="1"/>
+          </p:cNvPicPr>
+          <p:nvPr/>
+        </p:nvPicPr>
+        <p:blipFill>
+          <a:blip r:embed="rId3">
+            <a:extLst>
+              <a:ext uri="{BEBA8EAE-BF5A-486C-A8C5-ECC9F3942E4B}">
+                <a14:imgProps xmlns:a14="http://schemas.microsoft.com/office/drawing/2010/main">
+                  <a14:imgLayer r:embed="rId4">
+                    <a14:imgEffect>
+                      <a14:brightnessContrast bright="15000"/>
+                    </a14:imgEffect>
+                  </a14:imgLayer>
+                </a14:imgProps>
+              </a:ext>
+              <a:ext uri="{28A0092B-C50C-407E-A947-70E740481C1C}">
+                <a14:useLocalDpi xmlns:a14="http://schemas.microsoft.com/office/drawing/2010/main" val="0"/>
+              </a:ext>
+            </a:extLst>
+          </a:blip>
+          <a:stretch>
+            <a:fillRect/>
+          </a:stretch>
+        </p:blipFill>
+        <p:spPr>
+          <a:xfrm>
+            <a:off x="14593137" y="7623747"/>
+            <a:ext cx="6207324" cy="6228015"/>
+          </a:xfrm>
+          <a:prstGeom prst="rect">
+            <a:avLst/>
+          </a:prstGeom>
+        </p:spPr>
+      </p:pic>
+      <p:pic>
+        <p:nvPicPr>
+          <p:cNvPr id="5" name="Picture 4" descr="A picture containing brick&#10;&#10;Description automatically generated">
+            <a:extLst>
+              <a:ext uri="{FF2B5EF4-FFF2-40B4-BE49-F238E27FC236}">
+                <a16:creationId xmlns:a16="http://schemas.microsoft.com/office/drawing/2014/main" id="{EA5C0E7B-D691-3E45-9594-8BB5AC55FD32}"/>
+              </a:ext>
+            </a:extLst>
+          </p:cNvPr>
+          <p:cNvPicPr>
+            <a:picLocks noChangeAspect="1"/>
+          </p:cNvPicPr>
+          <p:nvPr/>
+        </p:nvPicPr>
+        <p:blipFill>
+          <a:blip r:embed="rId5">
+            <a:extLst>
+              <a:ext uri="{BEBA8EAE-BF5A-486C-A8C5-ECC9F3942E4B}">
+                <a14:imgProps xmlns:a14="http://schemas.microsoft.com/office/drawing/2010/main">
+                  <a14:imgLayer r:embed="rId6">
+                    <a14:imgEffect>
+                      <a14:brightnessContrast bright="15000"/>
+                    </a14:imgEffect>
+                  </a14:imgLayer>
+                </a14:imgProps>
+              </a:ext>
+              <a:ext uri="{28A0092B-C50C-407E-A947-70E740481C1C}">
+                <a14:useLocalDpi xmlns:a14="http://schemas.microsoft.com/office/drawing/2010/main" val="0"/>
+              </a:ext>
+            </a:extLst>
+          </a:blip>
+          <a:stretch>
+            <a:fillRect/>
+          </a:stretch>
+        </p:blipFill>
+        <p:spPr>
+          <a:xfrm>
+            <a:off x="14376698" y="628136"/>
+            <a:ext cx="6207324" cy="6207324"/>
+          </a:xfrm>
+          <a:prstGeom prst="rect">
+            <a:avLst/>
+          </a:prstGeom>
+        </p:spPr>
+      </p:pic>
+      <p:pic>
+        <p:nvPicPr>
+          <p:cNvPr id="7" name="Picture 6" descr="A picture containing brick&#10;&#10;Description automatically generated">
+            <a:extLst>
+              <a:ext uri="{FF2B5EF4-FFF2-40B4-BE49-F238E27FC236}">
+                <a16:creationId xmlns:a16="http://schemas.microsoft.com/office/drawing/2014/main" id="{5904CEF3-DBDE-3149-B01D-D755F440CAA4}"/>
+              </a:ext>
+            </a:extLst>
+          </p:cNvPr>
+          <p:cNvPicPr>
+            <a:picLocks noChangeAspect="1"/>
+          </p:cNvPicPr>
+          <p:nvPr/>
+        </p:nvPicPr>
+        <p:blipFill>
+          <a:blip r:embed="rId7">
+            <a:extLst>
+              <a:ext uri="{BEBA8EAE-BF5A-486C-A8C5-ECC9F3942E4B}">
+                <a14:imgProps xmlns:a14="http://schemas.microsoft.com/office/drawing/2010/main">
+                  <a14:imgLayer r:embed="rId8">
+                    <a14:imgEffect>
+                      <a14:brightnessContrast bright="15000"/>
+                    </a14:imgEffect>
+                  </a14:imgLayer>
+                </a14:imgProps>
+              </a:ext>
+              <a:ext uri="{28A0092B-C50C-407E-A947-70E740481C1C}">
+                <a14:useLocalDpi xmlns:a14="http://schemas.microsoft.com/office/drawing/2010/main" val="0"/>
+              </a:ext>
+            </a:extLst>
+          </a:blip>
+          <a:stretch>
+            <a:fillRect/>
+          </a:stretch>
+        </p:blipFill>
+        <p:spPr>
+          <a:xfrm>
+            <a:off x="551881" y="605786"/>
+            <a:ext cx="6207324" cy="6207324"/>
+          </a:xfrm>
+          <a:prstGeom prst="rect">
+            <a:avLst/>
+          </a:prstGeom>
+        </p:spPr>
+      </p:pic>
+      <p:pic>
+        <p:nvPicPr>
+          <p:cNvPr id="9" name="Picture 8" descr="A picture containing brick&#10;&#10;Description automatically generated">
+            <a:extLst>
+              <a:ext uri="{FF2B5EF4-FFF2-40B4-BE49-F238E27FC236}">
+                <a16:creationId xmlns:a16="http://schemas.microsoft.com/office/drawing/2014/main" id="{C02B108D-A4B4-4C42-8716-44EDE53EE18D}"/>
+              </a:ext>
+            </a:extLst>
+          </p:cNvPr>
+          <p:cNvPicPr>
+            <a:picLocks noChangeAspect="1"/>
+          </p:cNvPicPr>
+          <p:nvPr/>
+        </p:nvPicPr>
+        <p:blipFill>
+          <a:blip r:embed="rId9">
+            <a:extLst>
+              <a:ext uri="{BEBA8EAE-BF5A-486C-A8C5-ECC9F3942E4B}">
+                <a14:imgProps xmlns:a14="http://schemas.microsoft.com/office/drawing/2010/main">
+                  <a14:imgLayer r:embed="rId10">
+                    <a14:imgEffect>
+                      <a14:brightnessContrast bright="15000"/>
+                    </a14:imgEffect>
+                  </a14:imgLayer>
+                </a14:imgProps>
+              </a:ext>
+              <a:ext uri="{28A0092B-C50C-407E-A947-70E740481C1C}">
+                <a14:useLocalDpi xmlns:a14="http://schemas.microsoft.com/office/drawing/2010/main" val="0"/>
+              </a:ext>
+            </a:extLst>
+          </a:blip>
+          <a:stretch>
+            <a:fillRect/>
+          </a:stretch>
+        </p:blipFill>
+        <p:spPr>
+          <a:xfrm>
+            <a:off x="7755094" y="591034"/>
+            <a:ext cx="6207324" cy="6207324"/>
+          </a:xfrm>
+          <a:prstGeom prst="rect">
+            <a:avLst/>
+          </a:prstGeom>
+        </p:spPr>
+      </p:pic>
+      <p:pic>
+        <p:nvPicPr>
+          <p:cNvPr id="11" name="Picture 10">
+            <a:extLst>
+              <a:ext uri="{FF2B5EF4-FFF2-40B4-BE49-F238E27FC236}">
+                <a16:creationId xmlns:a16="http://schemas.microsoft.com/office/drawing/2014/main" id="{6A2E182B-76E7-4E48-A072-A5E501AD6032}"/>
+              </a:ext>
+            </a:extLst>
+          </p:cNvPr>
+          <p:cNvPicPr>
+            <a:picLocks noChangeAspect="1"/>
+          </p:cNvPicPr>
+          <p:nvPr/>
+        </p:nvPicPr>
+        <p:blipFill>
+          <a:blip r:embed="rId11">
+            <a:extLst>
+              <a:ext uri="{BEBA8EAE-BF5A-486C-A8C5-ECC9F3942E4B}">
+                <a14:imgProps xmlns:a14="http://schemas.microsoft.com/office/drawing/2010/main">
+                  <a14:imgLayer r:embed="rId12">
+                    <a14:imgEffect>
+                      <a14:brightnessContrast bright="15000"/>
+                    </a14:imgEffect>
+                  </a14:imgLayer>
+                </a14:imgProps>
+              </a:ext>
+              <a:ext uri="{28A0092B-C50C-407E-A947-70E740481C1C}">
+                <a14:useLocalDpi xmlns:a14="http://schemas.microsoft.com/office/drawing/2010/main" val="0"/>
+              </a:ext>
+            </a:extLst>
+          </a:blip>
+          <a:stretch>
+            <a:fillRect/>
+          </a:stretch>
+        </p:blipFill>
+        <p:spPr>
+          <a:xfrm>
+            <a:off x="7214187" y="7064708"/>
+            <a:ext cx="7015026" cy="7015026"/>
+          </a:xfrm>
+          <a:prstGeom prst="rect">
+            <a:avLst/>
+          </a:prstGeom>
+        </p:spPr>
+      </p:pic>
+      <p:pic>
+        <p:nvPicPr>
+          <p:cNvPr id="13" name="Picture 12">
+            <a:extLst>
+              <a:ext uri="{FF2B5EF4-FFF2-40B4-BE49-F238E27FC236}">
+                <a16:creationId xmlns:a16="http://schemas.microsoft.com/office/drawing/2014/main" id="{03645F8E-3C40-7C4F-9D09-DAB93C495827}"/>
+              </a:ext>
+            </a:extLst>
+          </p:cNvPr>
+          <p:cNvPicPr>
+            <a:picLocks noChangeAspect="1"/>
+          </p:cNvPicPr>
+          <p:nvPr/>
+        </p:nvPicPr>
+        <p:blipFill>
+          <a:blip r:embed="rId13">
+            <a:extLst>
+              <a:ext uri="{BEBA8EAE-BF5A-486C-A8C5-ECC9F3942E4B}">
+                <a14:imgProps xmlns:a14="http://schemas.microsoft.com/office/drawing/2010/main">
+                  <a14:imgLayer r:embed="rId14">
+                    <a14:imgEffect>
+                      <a14:brightnessContrast bright="10000"/>
+                    </a14:imgEffect>
+                  </a14:imgLayer>
+                </a14:imgProps>
+              </a:ext>
+              <a:ext uri="{28A0092B-C50C-407E-A947-70E740481C1C}">
+                <a14:useLocalDpi xmlns:a14="http://schemas.microsoft.com/office/drawing/2010/main" val="0"/>
+              </a:ext>
+            </a:extLst>
+          </a:blip>
+          <a:stretch>
+            <a:fillRect/>
+          </a:stretch>
+        </p:blipFill>
+        <p:spPr>
+          <a:xfrm>
+            <a:off x="710573" y="7741735"/>
+            <a:ext cx="6065234" cy="6065234"/>
+          </a:xfrm>
+          <a:prstGeom prst="rect">
+            <a:avLst/>
+          </a:prstGeom>
+        </p:spPr>
+      </p:pic>
+    </p:spTree>
+    <p:extLst>
+      <p:ext uri="{BB962C8B-B14F-4D97-AF65-F5344CB8AC3E}">
+        <p14:creationId xmlns:p14="http://schemas.microsoft.com/office/powerpoint/2010/main" val="107653213"/>
+      </p:ext>
+    </p:extLst>
+  </p:cSld>
+  <p:clrMapOvr>
+    <a:masterClrMapping/>
+  </p:clrMapOvr>
+</p:sld>
+</file>
+
+<file path=ppt/slides/slide2.xml><?xml version="1.0" encoding="utf-8"?>
 <p:sld xmlns:a="http://schemas.openxmlformats.org/drawingml/2006/main" xmlns:r="http://schemas.openxmlformats.org/officeDocument/2006/relationships" xmlns:p="http://schemas.openxmlformats.org/presentationml/2006/main">
   <p:cSld>
     <p:spTree>
